--- a/LOLmedia.pptx
+++ b/LOLmedia.pptx
@@ -20748,6 +20748,12 @@
           </a:bodyPr>
           <a:lstStyle/>
           <a:p>
+            <a:r>
+              <a:rPr lang="en-US" dirty="0">
+                <a:hlinkClick r:id="rId3"/>
+              </a:rPr>
+              <a:t>GitHub</a:t>
+            </a:r>
             <a:endParaRPr lang="en-US" dirty="0"/>
           </a:p>
         </p:txBody>
@@ -20769,7 +20775,7 @@
           </p:nvPr>
         </p:nvPicPr>
         <p:blipFill>
-          <a:blip r:embed="rId3"/>
+          <a:blip r:embed="rId4"/>
           <a:stretch>
             <a:fillRect/>
           </a:stretch>
@@ -21711,6 +21717,15 @@
 </file>
 
 <file path=customXml/item1.xml><?xml version="1.0" encoding="utf-8"?>
+<?mso-contentType ?>
+<FormTemplates xmlns="http://schemas.microsoft.com/sharepoint/v3/contenttype/forms">
+  <Display>DocumentLibraryForm</Display>
+  <Edit>DocumentLibraryForm</Edit>
+  <New>DocumentLibraryForm</New>
+</FormTemplates>
+</file>
+
+<file path=customXml/item2.xml><?xml version="1.0" encoding="utf-8"?>
 <p:properties xmlns:p="http://schemas.microsoft.com/office/2006/metadata/properties" xmlns:xsi="http://www.w3.org/2001/XMLSchema-instance" xmlns:pc="http://schemas.microsoft.com/office/infopath/2007/PartnerControls">
   <documentManagement>
     <Background xmlns="71af3243-3dd4-4a8d-8c0d-dd76da1f02a5">false</Background>
@@ -21728,15 +21743,6 @@
     <MediaServiceKeyPoints xmlns="71af3243-3dd4-4a8d-8c0d-dd76da1f02a5" xsi:nil="true"/>
   </documentManagement>
 </p:properties>
-</file>
-
-<file path=customXml/item2.xml><?xml version="1.0" encoding="utf-8"?>
-<?mso-contentType ?>
-<FormTemplates xmlns="http://schemas.microsoft.com/sharepoint/v3/contenttype/forms">
-  <Display>DocumentLibraryForm</Display>
-  <Edit>DocumentLibraryForm</Edit>
-  <New>DocumentLibraryForm</New>
-</FormTemplates>
 </file>
 
 <file path=customXml/item3.xml><?xml version="1.0" encoding="utf-8"?>
@@ -22052,6 +22058,14 @@
 </file>
 
 <file path=customXml/itemProps1.xml><?xml version="1.0" encoding="utf-8"?>
+<ds:datastoreItem xmlns:ds="http://schemas.openxmlformats.org/officeDocument/2006/customXml" ds:itemID="{8451406B-581B-4C29-A833-E33D8A6AB075}">
+  <ds:schemaRefs>
+    <ds:schemaRef ds:uri="http://schemas.microsoft.com/sharepoint/v3/contenttype/forms"/>
+  </ds:schemaRefs>
+</ds:datastoreItem>
+</file>
+
+<file path=customXml/itemProps2.xml><?xml version="1.0" encoding="utf-8"?>
 <ds:datastoreItem xmlns:ds="http://schemas.openxmlformats.org/officeDocument/2006/customXml" ds:itemID="{0F65614A-92F9-4391-AC3D-F3F5B0704F99}">
   <ds:schemaRefs>
     <ds:schemaRef ds:uri="http://schemas.microsoft.com/office/2006/metadata/properties"/>
@@ -22059,14 +22073,6 @@
     <ds:schemaRef ds:uri="71af3243-3dd4-4a8d-8c0d-dd76da1f02a5"/>
     <ds:schemaRef ds:uri="http://schemas.microsoft.com/sharepoint/v3"/>
     <ds:schemaRef ds:uri="230e9df3-be65-4c73-a93b-d1236ebd677e"/>
-  </ds:schemaRefs>
-</ds:datastoreItem>
-</file>
-
-<file path=customXml/itemProps2.xml><?xml version="1.0" encoding="utf-8"?>
-<ds:datastoreItem xmlns:ds="http://schemas.openxmlformats.org/officeDocument/2006/customXml" ds:itemID="{8451406B-581B-4C29-A833-E33D8A6AB075}">
-  <ds:schemaRefs>
-    <ds:schemaRef ds:uri="http://schemas.microsoft.com/sharepoint/v3/contenttype/forms"/>
   </ds:schemaRefs>
 </ds:datastoreItem>
 </file>

--- a/LOLmedia.pptx
+++ b/LOLmedia.pptx
@@ -5,17 +5,16 @@
     <p:sldMasterId id="2147483648" r:id="rId4"/>
   </p:sldMasterIdLst>
   <p:notesMasterIdLst>
-    <p:notesMasterId r:id="rId10"/>
+    <p:notesMasterId r:id="rId9"/>
   </p:notesMasterIdLst>
   <p:handoutMasterIdLst>
-    <p:handoutMasterId r:id="rId11"/>
+    <p:handoutMasterId r:id="rId10"/>
   </p:handoutMasterIdLst>
   <p:sldIdLst>
     <p:sldId id="256" r:id="rId5"/>
-    <p:sldId id="277" r:id="rId6"/>
-    <p:sldId id="264" r:id="rId7"/>
-    <p:sldId id="268" r:id="rId8"/>
-    <p:sldId id="276" r:id="rId9"/>
+    <p:sldId id="264" r:id="rId6"/>
+    <p:sldId id="268" r:id="rId7"/>
+    <p:sldId id="276" r:id="rId8"/>
   </p:sldIdLst>
   <p:sldSz cx="12192000" cy="6858000"/>
   <p:notesSz cx="6858000" cy="9144000"/>
@@ -247,7 +246,7 @@
           <a:p>
             <a:fld id="{058ABBF3-49A8-4B3F-9773-22E67695BB12}" type="datetimeFigureOut">
               <a:rPr lang="en-US" smtClean="0"/>
-              <a:t>5/24/2024</a:t>
+              <a:t>6/6/2024</a:t>
             </a:fld>
             <a:endParaRPr lang="en-US" dirty="0"/>
           </a:p>
@@ -342,6 +341,60 @@
 </p:handoutMaster>
 </file>
 
+<file path=ppt/ink/ink1.xml><?xml version="1.0" encoding="utf-8"?>
+<inkml:ink xmlns:inkml="http://www.w3.org/2003/InkML">
+  <inkml:definitions>
+    <inkml:context xml:id="ctx0">
+      <inkml:inkSource xml:id="inkSrc0">
+        <inkml:traceFormat>
+          <inkml:channel name="X" type="integer" min="-2.14748E9" max="2.14748E9" units="cm"/>
+          <inkml:channel name="Y" type="integer" min="-2.14748E9" max="2.14748E9" units="cm"/>
+          <inkml:channel name="F" type="integer" max="32767" units="dev"/>
+        </inkml:traceFormat>
+        <inkml:channelProperties>
+          <inkml:channelProperty channel="X" name="resolution" value="1000" units="1/cm"/>
+          <inkml:channelProperty channel="Y" name="resolution" value="1000" units="1/cm"/>
+          <inkml:channelProperty channel="F" name="resolution" value="0" units="1/dev"/>
+        </inkml:channelProperties>
+      </inkml:inkSource>
+      <inkml:timestamp xml:id="ts0" timeString="2024-06-06T11:51:44.106"/>
+    </inkml:context>
+    <inkml:brush xml:id="br0">
+      <inkml:brushProperty name="width" value="0.05" units="cm"/>
+      <inkml:brushProperty name="height" value="0.05" units="cm"/>
+    </inkml:brush>
+  </inkml:definitions>
+  <inkml:trace contextRef="#ctx0" brushRef="#br0">1095 239 24575,'-18'-8'0,"-1"1"0,0 1 0,-28-5 0,28 7 0,-1-1 0,1 0 0,-30-15 0,33 12 0,-1 1 0,1 0 0,-1 1 0,-1 1 0,1 1 0,-1 0 0,1 1 0,-1 1 0,-33 0 0,-198 5 0,228-1 0,0 0 0,0 2 0,1 1 0,0 0 0,-24 10 0,11-4 0,-7 3 0,0 1 0,2 3 0,-44 25 0,82-40 0,6-1 0,10-1 0,565-1 0,-249-2 0,-285-3 0,-46 5 0,0-1 0,0 1 0,-1 0 0,1 0 0,0-1 0,0 1 0,0-1 0,0 1 0,0-1 0,0 1 0,-1-1 0,1 1 0,0-1 0,0 0 0,-1 1 0,1-1 0,0-1 0,-1 1 0,0 0 0,0 1 0,0-1 0,0 0 0,0 0 0,0 1 0,-1-1 0,1 0 0,0 1 0,-1-1 0,1 0 0,0 0 0,-1 1 0,1-1 0,-1 1 0,1-1 0,-1 0 0,1 1 0,-1-1 0,1 1 0,-1-1 0,0 1 0,1 0 0,-1-1 0,0 1 0,1 0 0,-2-1 0,-10-6 0,0 0 0,0 1 0,-1 0 0,0 1 0,-20-5 0,-72-11 0,60 13 0,-13 1 0,0 3 0,-109 4 0,62 2 0,85-1 0,0 2 0,-39 8 0,38-6 0,-1-1 0,-28 2 0,6-6 0,64-2 0,-1-1 0,0-1 0,0 0 0,-1-2 0,33-13 0,-16 6 0,2 2 0,-1 1 0,74-9 0,-41 7 0,-5 5 0,1 2 0,114 6 0,-62 1 0,67-2 0,-714 0 0,495 2 0,-1 2 0,1 1 0,-42 12 0,41-8 0,-1-2 0,-66 5 0,-216-13 0,809 1 0,-478 1 0,0 0 0,0 1 0,0 1 0,0 0 0,-1 1 0,1 0 0,11 6 0,-10-5 0,0 1 0,0-2 0,0 0 0,1-1 0,17 3 0,8-3 0,-3-1 0,55 10 0,100 16 0,-180-26 0,-1 2 0,1-1 0,-1 1 0,0 1 0,12 7 0,-19-11 0,0 0 0,0 1 0,-1 0 0,1 0 0,-1 0 0,1 0 0,-1 0 0,0 0 0,0 0 0,0 1 0,0-1 0,0 1 0,0 0 0,-1-1 0,1 1 0,-1 0 0,0 0 0,0 0 0,0 0 0,0 0 0,0 0 0,0 5 0,-2-6 0,1-1 0,-1 1 0,1 0 0,-1-1 0,0 1 0,0-1 0,0 1 0,0-1 0,0 1 0,0-1 0,0 0 0,-1 0 0,1 1 0,0-1 0,-1 0 0,1 0 0,-1 0 0,1 0 0,-1-1 0,1 1 0,-1 0 0,0-1 0,1 1 0,-1-1 0,0 1 0,0-1 0,1 0 0,-3 0 0,-5 2 0,-1-1 0,1 0 0,-17-2 0,16 0 0,1-1 0,-1-1 0,1 0 0,0 0 0,0-1 0,0 0 0,1 0 0,-1-1 0,1 0 0,-11-10 0,6 6 0,0 0 0,-29-13 0,-97-20 0,108 33 0,0 0 0,0 2 0,-1 1 0,1 2 0,-1 1 0,-59 2 0,67 0 0,-1-1 0,-40-9 0,37 6 0,-45-3 0,32 9 0,31 0 0,0-1 0,-1 0 0,1 0 0,-1-1 0,1 0 0,-19-5 0,28 5 0,-1 0 0,0 0 0,1 0 0,-1-1 0,0 1 0,1 0 0,0-1 0,-1 1 0,1-1 0,0 0 0,0 1 0,0-1 0,0 0 0,-2-3 0,3 4 0,-1 0 0,1 0 0,-1-1 0,1 1 0,-1 0 0,1 0 0,0 0 0,0 0 0,0-1 0,-1 1 0,1 0 0,0 0 0,1-1 0,-1 1 0,0 0 0,0 0 0,0 0 0,1 0 0,-1-1 0,1 1 0,-1 0 0,1 0 0,-1 0 0,1 0 0,0-1 0,0 2 0,-1 0 0,1 0 0,-1 0 0,0 0 0,1 1 0,-1-1 0,0 0 0,1 0 0,-1 1 0,0-1 0,1 0 0,-1 0 0,0 1 0,0-1 0,1 0 0,-1 1 0,0-1 0,0 0 0,0 1 0,1-1 0,-1 1 0,0-1 0,0 0 0,0 1 0,0-1 0,0 1 0,0-1 0,0 0 0,0 1 0,0 0 0,5 18 0,-4-17 0,8 41 0,0-2 0,15 44 0,-22-81 0,0 0 0,0 0 0,0 0 0,0 0 0,1-1 0,0 1 0,0-1 0,6 7 0,-8-9 0,0-1 0,-1 1 0,1-1 0,0 1 0,-1-1 0,1 1 0,0-1 0,0 1 0,0-1 0,-1 0 0,1 1 0,0-1 0,0 0 0,0 0 0,0 0 0,0 0 0,0 0 0,0 0 0,-1 0 0,1 0 0,0 0 0,0 0 0,0 0 0,0 0 0,0-1 0,0 1 0,0 0 0,-1-1 0,1 1 0,0 0 0,0-1 0,-1 1 0,1-1 0,0 1 0,0-1 0,-1 0 0,1 1 0,-1-1 0,1 0 0,0 1 0,-1-1 0,1 0 0,-1 0 0,0 0 0,1 1 0,-1-1 0,0 0 0,1 0 0,-1 0 0,0-1 0,3-7 0,0-1 0,0 0 0,-1 1 0,-1-1 0,0 0 0,0-12 0,-4-65 0,1 33 0,1-46 0,-1 156 0,0-33 0,2-1 0,0 1 0,1-1 0,7 36 0,-8-57 0,0-1 0,0 1 0,0 0 0,0 0 0,0-1 0,0 1 0,1 0 0,-1-1 0,0 1 0,0 0 0,1-1 0,-1 1 0,0 0 0,1-1 0,-1 1 0,1-1 0,-1 1 0,1-1 0,-1 1 0,1-1 0,-1 1 0,1-1 0,0 1 0,-1-1 0,1 0 0,-1 1 0,1-1 0,1 0 0,-1 0 0,-1 0 0,1-1 0,0 1 0,0-1 0,0 1 0,0-1 0,-1 1 0,1-1 0,0 0 0,0 1 0,-1-1 0,1 0 0,0 0 0,-1 1 0,1-1 0,-1 0 0,1-1 0,17-41 0,-14 21 0,1 0 0,1 1 0,1-1 0,15-29 0,-22 51 0,0-1 0,0 1 0,0 0 0,0-1 0,0 1 0,0 0 0,0-1 0,0 1 0,0 0 0,0-1 0,0 1 0,0 0 0,1-1 0,-1 1 0,0 0 0,0 0 0,0-1 0,1 1 0,-1 0 0,0 0 0,0-1 0,1 1 0,-1 0 0,0 0 0,1 0 0,-1-1 0,0 1 0,0 0 0,1 0 0,-1 0 0,0 0 0,1 0 0,-1 0 0,0 0 0,1 0 0,-1 0 0,0 0 0,1 0 0,-1 0 0,0 0 0,1 0 0,-1 0 0,0 0 0,1 0 0,-1 0 0,0 0 0,1 1 0,5 19 0,-4 32 0,-2-51 0,-1 27 0,-1 25 0,2-49 0,0-1 0,1 0 0,-1 0 0,1 0 0,-1 1 0,1-1 0,0 0 0,0 0 0,0 0 0,1 0 0,2 5 0,-3-8 0,-1 0 0,0 0 0,1 0 0,-1 0 0,0 1 0,0-1 0,1 0 0,-1 0 0,0 0 0,1 0 0,-1 0 0,0 0 0,1 0 0,-1 0 0,0-1 0,0 1 0,1 0 0,-1 0 0,0 0 0,1 0 0,-1 0 0,0 0 0,0-1 0,1 1 0,-1 0 0,0 0 0,0 0 0,0 0 0,1-1 0,-1 1 0,0 0 0,0 0 0,0-1 0,1 1 0,-1 0 0,0 0 0,0-1 0,0 1 0,0 0 0,0-1 0,0 1 0,0 0 0,0 0 0,0-1 0,0 1 0,0 0 0,0-1 0,0 1 0,0 0 0,0-1 0,0 1 0,0-1 0,4-18 0,19-92 0,-17 88 0,-2 116 0,-4-91 0,0 0 0,0 1 0,0-1 0,1 1 0,-1-1 0,1 0 0,-1 1 0,1-1 0,0 0 0,0 1 0,0-1 0,0 0 0,0 0 0,1 0 0,-1 0 0,1 0 0,-1 0 0,1 0 0,-1-1 0,1 1 0,0-1 0,0 1 0,0-1 0,0 1 0,0-1 0,4 2 0,-3-3 0,0 0 0,0 1 0,0-1 0,1 0 0,-1 0 0,0 0 0,0-1 0,0 1 0,0-1 0,0 0 0,0 0 0,0 0 0,0 0 0,-1 0 0,1-1 0,0 1 0,-1-1 0,1 0 0,-1 1 0,4-5 0,6-5 0,-1-1 0,0 0 0,-1-1 0,-1 0 0,10-18 0,-15 24 0,-4 7 0,1-1 0,-1 1 0,0-1 0,0 1 0,0 0 0,0-1 0,1 1 0,-1 0 0,0-1 0,0 1 0,1-1 0,-1 1 0,0 0 0,1 0 0,-1-1 0,0 1 0,1 0 0,-1-1 0,1 1 0,-1 0 0,0 0 0,1 0 0,-1 0 0,1-1 0,-1 1 0,1 0 0,-1 0 0,0 0 0,1 0 0,0 0 0,5 13 0,-4 34 0,-2-36 0,0-10 0,0 1 0,0-1 0,0 0 0,1 1 0,-1-1 0,0 0 0,0 0 0,1 1 0,-1-1 0,1 0 0,-1 0 0,1 0 0,-1 1 0,1-1 0,0 0 0,1 1 0,-2-2 0,0 0 0,1 0 0,-1 0 0,1 0 0,-1 0 0,1 1 0,-1-1 0,0 0 0,1 0 0,-1-1 0,1 1 0,-1 0 0,1 0 0,-1 0 0,0 0 0,1 0 0,-1 0 0,1-1 0,-1 1 0,0 0 0,1 0 0,-1 0 0,0-1 0,1 1 0,-1 0 0,0-1 0,1 1 0,-1 0 0,0-1 0,1 1 0,2-4 0,0 0 0,-1 0 0,1-1 0,-1 1 0,1-1 0,2-8 0,-1-5 0,0-1 0,-2 1 0,0-1 0,-1-30 0,1 74 0,1 0 0,1 0 0,1 0 0,1 0 0,1-1 0,2 0 0,15 33 0,-9-27 0,-9-16 0,1 1 0,1-1 0,12 16 0,-19-27 0,1-1 0,0 0 0,-1 0 0,1 0 0,0 0 0,0 0 0,1 0 0,-1 0 0,0 0 0,1-1 0,-1 0 0,1 1 0,-1-1 0,1 0 0,0 0 0,-1 0 0,1-1 0,0 1 0,0 0 0,-1-1 0,1 0 0,0 0 0,0 0 0,3 0 0,-2-1 0,-1-1 0,0 1 0,1-1 0,-1 1 0,0-1 0,0 0 0,0 0 0,0 0 0,-1-1 0,1 1 0,0-1 0,-1 1 0,0-1 0,0 0 0,0 0 0,0 0 0,0 0 0,0 0 0,-1 0 0,1-1 0,-1 1 0,2-7 0,0-5 0,1 0 0,-2 1 0,0-1 0,0-16 0,-1 13 0,0 3 0,0 0 0,-1 0 0,-1 0 0,0 0 0,-7-28 0,8 42 0,0 0 0,-1 0 0,1 0 0,-1 1 0,1-1 0,-1 0 0,1 0 0,-1 1 0,0-1 0,1 1 0,-1-1 0,0 0 0,1 1 0,-1-1 0,0 1 0,0-1 0,0 1 0,1 0 0,-1-1 0,0 1 0,0 0 0,0 0 0,0-1 0,0 1 0,0 0 0,0 0 0,1 0 0,-1 0 0,0 0 0,0 0 0,0 0 0,0 1 0,0-1 0,0 0 0,0 0 0,1 1 0,-1-1 0,0 0 0,0 1 0,0-1 0,1 1 0,-1-1 0,0 1 0,-1 1 0,-35 27 0,36-27 0,-6 4 0,0-1 0,0 1 0,0-1 0,-1-1 0,1 1 0,-1-1 0,0-1 0,-1 1 0,1-1 0,0-1 0,-1 0 0,-11 2 0,-7-1 0,-1-2 0,-43-2 0,27-1 0,33 2 0,1-1 0,0-1 0,-1 1 0,1-2 0,0 1 0,0-2 0,-10-4 0,-5-4 0,-31-21 0,19 11 0,23 15 0,0 2 0,0 0 0,-1 0 0,0 1 0,0 1 0,-15-1 0,-12-4 0,41 8 0,-1-1 0,-1 0 0,0 0 0,1 1 0,-1-1 0,0 1 0,0 0 0,1 0 0,-1 0 0,0 0 0,0 0 0,0 1 0,1-1 0,-1 1 0,0-1 0,1 1 0,-5 2 0,7-3 0,0 1 0,0-1 0,-1 1 0,1-1 0,0 1 0,0-1 0,0 1 0,0-1 0,0 0 0,0 1 0,0-1 0,1 1 0,-1-1 0,0 1 0,0-1 0,0 1 0,0-1 0,1 0 0,-1 1 0,0-1 0,0 0 0,0 1 0,1-1 0,-1 1 0,0-1 0,1 0 0,-1 0 0,0 1 0,1-1 0,-1 0 0,1 1 0,13 10 0,-14-11 0,25 20 0,28 29 0,-36-32 0,0-1 0,1-1 0,40 26 0,-40-33 0,1-1 0,0 0 0,1-1 0,0-2 0,36 5 0,-21-3 0,-1-2 0,60 1 0,-117-7 0,0-1 0,1-1 0,0-1 0,-35-12 0,25-3 0,27 16 0,-1 0 0,1 0 0,-1 1 0,0 0 0,-9-3 0,-4-1 0,0 0 0,1 0 0,0-2 0,0 0 0,1-1 0,0-1 0,1-1 0,0 0 0,1-1 0,-22-24 0,36 36 0,0 1 0,1-1 0,-1 1 0,0-1 0,1 0 0,-1 1 0,0-1 0,1 0 0,-1 0 0,1 1 0,0-1 0,-1 0 0,1 0 0,0 0 0,-1 0 0,1 0 0,0 1 0,0-1 0,0 0 0,0 0 0,0 0 0,0 0 0,0 0 0,0 0 0,0 0 0,0 0 0,0 1 0,0-1 0,1 0 0,-1 0 0,0 0 0,1 0 0,-1 0 0,1 1 0,-1-1 0,1 0 0,-1 0 0,1 1 0,-1-1 0,1 0 0,0 1 0,-1-1 0,1 1 0,0-1 0,0 1 0,0-1 0,-1 1 0,1-1 0,0 1 0,0 0 0,0 0 0,0-1 0,-1 1 0,1 0 0,0 0 0,1 0 0,8-2 0,0 0 0,0 1 0,20 1 0,-26 0 0,123 5 0,-109-3 0,-1 1 0,-1 1 0,1 0 0,0 2 0,21 9 0,-27-10 0,1-1 0,0 0 0,0-1 0,1-1 0,-1 0 0,21 1 0,81-4 0,-50-2 0,32 1 0,140 5 0,-231-2 0,0 0 0,0 0 0,0 1 0,0-1 0,0 1 0,0 1 0,0-1 0,-1 0 0,1 1 0,-1 0 0,6 5 0,-9-7 0,1 0 0,-1 0 0,0 0 0,1 0 0,-1 1 0,0-1 0,0 0 0,0 1 0,0-1 0,0 1 0,0-1 0,-1 1 0,1-1 0,0 1 0,-1-1 0,1 1 0,-1 0 0,0-1 0,0 1 0,1 0 0,-1 0 0,0-1 0,0 1 0,0 0 0,-1-1 0,1 1 0,0 0 0,-1-1 0,1 1 0,-1 0 0,1-1 0,-1 1 0,0-1 0,0 1 0,0-1 0,0 1 0,0-1 0,-2 2 0,0 0 0,0-1 0,0 1 0,0-1 0,-1 0 0,1 0 0,-1 0 0,1 0 0,-1-1 0,0 0 0,0 1 0,0-1 0,0-1 0,0 1 0,-5 0 0,-63-1 0,52-1 0,-8 0 0,-1-1 0,1-2 0,-40-10 0,38 7 0,-2-2 0,0 1 0,-1 2 0,-49-3 0,53 6 0,1-1 0,0-1 0,0-1 0,0-2 0,0 0 0,-42-21 0,50 22 0,-1 0 0,0 2 0,-25-3 0,-4-2 0,38 8 0,-10-3 0,23 3 0,14 1 0,568 2 0,-577-1 0,1 1 0,-1-1 0,1 1 0,-1 0 0,1 1 0,-1 0 0,0 0 0,0 0 0,0 1 0,0-1 0,8 6 0,-12-6 0,0-1 0,0 1 0,1 0 0,-1 0 0,-1 0 0,1 0 0,0 0 0,0 0 0,-1 1 0,1-1 0,-1 0 0,0 1 0,0-1 0,0 1 0,0 0 0,0-1 0,0 1 0,-1 0 0,0-1 0,1 1 0,-1 0 0,0 0 0,0-1 0,0 1 0,-1 0 0,1 0 0,0-1 0,-1 1 0,-1 3 0,1-3 0,0-1 0,0 0 0,0 1 0,0-1 0,-1 0 0,1 0 0,0 0 0,-1 0 0,0 0 0,1 0 0,-1-1 0,0 1 0,0-1 0,0 1 0,0-1 0,0 0 0,0 1 0,-1-1 0,1 0 0,0 0 0,-1-1 0,1 1 0,0 0 0,-1-1 0,1 1 0,-1-1 0,1 0 0,-1 0 0,-2 0 0,-9-1 0,0-1 0,0 0 0,1 0 0,-16-6 0,3 2 0,-22-1 0,0 2 0,0 3 0,-66 5 0,17-1 0,87-2 0,0 0 0,-1 0 0,1-1 0,1 0 0,-1-1 0,0 0 0,0-1 0,1 0 0,-1 0 0,1-1 0,-17-9 0,-24-8 0,91 17 0,326 6 0,-355-1 0,1 0 0,0 1 0,-1 0 0,0 1 0,1 1 0,-1 0 0,0 0 0,-1 1 0,1 1 0,-1 0 0,0 0 0,-1 1 0,1 1 0,17 16 0,2 9 0,-30-32 0,1 0 0,0 0 0,0-1 0,0 1 0,-1 0 0,1 0 0,0 0 0,-1 0 0,1 0 0,-1 0 0,1 0 0,-1 0 0,0 0 0,1 1 0,-1-1 0,0 0 0,0 0 0,0 0 0,1 0 0,-1 0 0,0 1 0,-1-1 0,1 0 0,0 0 0,0 0 0,0 0 0,-1 0 0,1 0 0,-1 0 0,1 0 0,-1 1 0,1-1 0,-2 1 0,0-2 0,0 1 0,0-1 0,0 1 0,-1-1 0,1 0 0,0 0 0,0 0 0,0 0 0,0-1 0,-1 1 0,1-1 0,0 1 0,0-1 0,0 0 0,0 0 0,0 1 0,0-1 0,0-1 0,-2 0 0,-39-26 0,34 20 0,0 2 0,0-1 0,0 1 0,-1 0 0,0 1 0,0 0 0,-1 1 0,1 0 0,-1 0 0,0 1 0,0 1 0,0 0 0,0 0 0,-17 1 0,-348 4 0,390-2 0,0 1 0,0 0 0,0 1 0,27 10 0,66 31 0,-79-32 0,-22-10 0,0 0 0,0 0 0,0 1 0,-1 0 0,1 1 0,0-1 0,-1 1 0,0 0 0,5 5 0,-6-4 0,1 0 0,-1-1 0,1 0 0,-1 1 0,1-2 0,0 1 0,1-1 0,-1 0 0,1 0 0,-1 0 0,1-1 0,0 1 0,0-1 0,0-1 0,0 1 0,0-1 0,0 0 0,9-1 0,80-2 0,-72 0 0,0 1 0,-1 1 0,1 1 0,36 6 0,-52-5 0,0 1 0,0 0 0,-1 0 0,1 0 0,-1 1 0,0-1 0,0 2 0,0-1 0,-1 1 0,0-1 0,1 1 0,-2 1 0,1-1 0,6 11 0,-10-16 0,-1 1 0,1 0 0,-1-1 0,0 1 0,1 0 0,-1 0 0,0-1 0,1 1 0,-1 0 0,0 0 0,0 0 0,0-1 0,0 1 0,0 0 0,0 0 0,0 0 0,0-1 0,0 1 0,0 0 0,0 0 0,0 0 0,-1-1 0,1 1 0,0 0 0,0 0 0,-1-1 0,1 1 0,-1 1 0,-1-1 0,1 0 0,-1 0 0,1 0 0,-1 0 0,1 0 0,-1 0 0,1 0 0,-1-1 0,0 1 0,0 0 0,1-1 0,-4 1 0,-1 0 0,0 0 0,0-1 0,1 0 0,-1 0 0,0 0 0,0-1 0,-9-2 0,-2-3 0,0-2 0,-27-16 0,26 13 0,-35-14 0,-33-11 0,-22-8 0,72 31 0,-65-37 0,24 11 0,51 29 0,1 1 0,-1 1 0,-1 2 0,1 0 0,-1 2 0,0 1 0,0 1 0,0 1 0,-46 5 0,70-3 0,0-1 0,1 1 0,-1-1 0,0 1 0,1 0 0,-1 0 0,1 0 0,-1 1 0,1-1 0,0 0 0,-1 1 0,1 0 0,0-1 0,0 1 0,0 0 0,0 0 0,0 0 0,1 1 0,-3 1 0,4-2 0,-1-1 0,1 0 0,-1 0 0,1 1 0,0-1 0,-1 0 0,1 0 0,0 1 0,0-1 0,0 0 0,0 1 0,0-1 0,0 0 0,0 1 0,0-1 0,1 0 0,-1 0 0,1 1 0,-1-1 0,1 0 0,-1 0 0,1 1 0,-1-1 0,1 0 0,0 0 0,0 0 0,0 0 0,-1 0 0,1 0 0,0 0 0,0-1 0,0 1 0,1 0 0,-1 0 0,0-1 0,0 1 0,0-1 0,0 1 0,1-1 0,1 1 0,8 3 0,0-1 0,0 0 0,0-1 0,0 0 0,0-1 0,13 0 0,40 6 0,-10 2 0,0-3 0,1-2 0,99-6 0,-44-1 0,-76 1 0,0-1 0,45-11 0,-32 6 0,-44 7 0,0 0 0,0 0 0,0 0 0,0-1 0,-1 1 0,1-1 0,0 1 0,0-1 0,-1 0 0,1 0 0,-1 0 0,0 0 0,0-1 0,1 1 0,-1-1 0,-1 1 0,1-1 0,0 0 0,-1 1 0,1-1 0,-1 0 0,0 0 0,0 0 0,1-6 0,-1 6 0,0 1 0,-1-1 0,0 0 0,0 1 0,1-1 0,-1 0 0,-1 1 0,1-1 0,0 0 0,-1 1 0,1-1 0,-1 0 0,0 1 0,0-1 0,0 1 0,0 0 0,0-1 0,-1 1 0,1 0 0,-1 0 0,1-1 0,-1 1 0,0 0 0,0 1 0,0-1 0,0 0 0,0 1 0,0-1 0,-5-2 0,1 1 0,0 1 0,0 0 0,-1 0 0,1 0 0,0 1 0,-1 0 0,1 0 0,-1 1 0,0 0 0,1 0 0,-1 0 0,1 1 0,-1 0 0,-10 3 0,-2 2 0,1 2 0,0 0 0,-26 16 0,13-7 0,22-13 0,-1-1 0,0 1 0,1-2 0,-1 0 0,0 0 0,0 0 0,-1-1 0,1-1 0,-16-1 0,13 1 0,-1 0 0,1 1 0,0 0 0,-15 4 0,27-5 0,1 0 0,-1 0 0,1 0 0,-1 0 0,1 0 0,0 0 0,-1 0 0,1 0 0,-1 0 0,1 1 0,-1-1 0,1 0 0,-1 0 0,1 0 0,-1 1 0,1-1 0,0 0 0,-1 0 0,1 1 0,-1-1 0,1 0 0,0 1 0,-1-1 0,1 1 0,0-1 0,0 0 0,-1 1 0,1-1 0,0 1 0,0-1 0,-1 1 0,15 5 0,26 1 0,94-6 0,-224-23 0,25 16 0,-104 5 0,101 2 0,132 10 0,-37-5 0,37 4 0,-30-8 0,15 0 0,64 12 0,-102-12 0,48 7 0,-57-9 0,1 0 0,0 0 0,0 0 0,0 0 0,0-1 0,0 1 0,0-1 0,0 1 0,-1-1 0,1 0 0,0 0 0,-1 0 0,1-1 0,0 1 0,-1-1 0,4-2 0,-5 3 0,-1 1 0,1 0 0,-1-1 0,1 1 0,-1-1 0,1 1 0,-1-1 0,0 1 0,1-1 0,-1 1 0,0-1 0,1 0 0,-1 1 0,0-1 0,0 0 0,1 1 0,-1-1 0,0 1 0,0-1 0,0 0 0,0 1 0,0-1 0,0 0 0,0 1 0,0-1 0,0 0 0,0 1 0,-1-1 0,1 0 0,0 0 0,-1 0 0,0 0 0,0 0 0,0 0 0,0 0 0,0 0 0,0 0 0,-1 1 0,1-1 0,0 0 0,0 1 0,-1-1 0,1 1 0,-2-1 0,-3-1 0,-1 1 0,1 0 0,0 0 0,0 0 0,-10 1 0,7 1 0,0 0 0,0 1 0,0 0 0,0 0 0,0 1 0,0 0 0,1 1 0,-1 0 0,1 0 0,0 1 0,-14 10 0,17-10 0,0 1 0,0-1 0,0 1 0,0 0 0,1 0 0,0 0 0,0 0 0,1 1 0,0-1 0,0 1 0,0 0 0,1 0 0,0 0 0,1 1 0,-2 10 0,2-15 0,1 0 0,-1 1 0,1-1 0,0 1 0,0-1 0,1 1 0,-1-1 0,1 1 0,-1-1 0,1 0 0,0 1 0,0-1 0,0 0 0,1 0 0,-1 0 0,1 0 0,0 0 0,2 4 0,-1-5 0,1 1 0,-1-1 0,0 0 0,0 0 0,1 0 0,0 0 0,-1 0 0,1-1 0,0 1 0,0-1 0,0 0 0,-1-1 0,1 1 0,0-1 0,7 1 0,-2-1 0,0 0 0,-1-1 0,1 0 0,0 0 0,0-1 0,-1 0 0,1-1 0,13-6 0,5-4 0,32-21 0,-34 19 0,31-14 0,-53 28 0,-1 0 0,1 0 0,-1 0 0,0-1 0,1 1 0,-1-1 0,0 1 0,0-1 0,0 0 0,0 1 0,0-1 0,0 0 0,-1-1 0,1 1 0,-1 0 0,1 0 0,-1-1 0,0 1 0,0 0 0,0-1 0,0 0 0,1-2 0,-2 2 0,0 1 0,-1 0 0,1-1 0,0 1 0,-1-1 0,1 1 0,-1 0 0,0 0 0,0-1 0,0 1 0,0 0 0,0 0 0,0 0 0,-1 0 0,1 0 0,-1 0 0,1 0 0,-1 1 0,0-1 0,0 0 0,0 1 0,0 0 0,0-1 0,-4-1 0,-8-5 0,0 1 0,-1 0 0,0 2 0,0-1 0,-1 2 0,0 0 0,0 1 0,0 0 0,0 1 0,0 1 0,0 1 0,0 0 0,-19 3 0,34-3 0,-1 0 0,0 0 0,0 0 0,0 0 0,0 1 0,1-1 0,-1 1 0,0-1 0,0 1 0,1 0 0,-1-1 0,0 1 0,1 0 0,-1 0 0,-2 2 0,7 6 0,14 3 0,1-3 0,1-1 0,-1 0 0,2-1 0,-1-1 0,1-1 0,0-1 0,0 0 0,0-2 0,38 1 0,-4-3 0,84-4 0,-137 5 5,0-1 0,0 0 0,0 0 0,0 0-1,0 0 1,0-1 0,0 1 0,0 0 0,-1 0-1,1 0 1,0-1 0,0 1 0,0-1 0,0 1-1,-1 0 1,1-1 0,0 1 0,0-1 0,-1 0 0,1 1-1,0-1 1,-1 0 0,2-1 0,-2 2-62,-1-1 0,1 0 0,0 1 0,-1-1 0,1 0 0,-1 1 0,1-1 0,-1 0 0,1 1 0,-1-1 0,0 1 0,1-1 0,-1 1 0,0-1 0,1 1 1,-1 0-1,0-1 0,0 1 0,1 0 0,-1 0 0,0-1 0,0 1 0,1 0 0,-1 0 0,-1 0 0,-16-4-6769</inkml:trace>
+</inkml:ink>
+</file>
+
+<file path=ppt/ink/ink2.xml><?xml version="1.0" encoding="utf-8"?>
+<inkml:ink xmlns:inkml="http://www.w3.org/2003/InkML">
+  <inkml:definitions>
+    <inkml:context xml:id="ctx0">
+      <inkml:inkSource xml:id="inkSrc0">
+        <inkml:traceFormat>
+          <inkml:channel name="X" type="integer" min="-2.14748E9" max="2.14748E9" units="cm"/>
+          <inkml:channel name="Y" type="integer" min="-2.14748E9" max="2.14748E9" units="cm"/>
+          <inkml:channel name="F" type="integer" max="32767" units="dev"/>
+        </inkml:traceFormat>
+        <inkml:channelProperties>
+          <inkml:channelProperty channel="X" name="resolution" value="1000" units="1/cm"/>
+          <inkml:channelProperty channel="Y" name="resolution" value="1000" units="1/cm"/>
+          <inkml:channelProperty channel="F" name="resolution" value="0" units="1/dev"/>
+        </inkml:channelProperties>
+      </inkml:inkSource>
+      <inkml:timestamp xml:id="ts0" timeString="2024-06-06T11:51:45.141"/>
+    </inkml:context>
+    <inkml:brush xml:id="br0">
+      <inkml:brushProperty name="width" value="0.05" units="cm"/>
+      <inkml:brushProperty name="height" value="0.05" units="cm"/>
+    </inkml:brush>
+  </inkml:definitions>
+  <inkml:trace contextRef="#ctx0" brushRef="#br0">0 0 24575,'0'0'-8191</inkml:trace>
+</inkml:ink>
+</file>
+
 <file path=ppt/notesMasters/notesMaster1.xml><?xml version="1.0" encoding="utf-8"?>
 <p:notesMaster xmlns:a="http://schemas.openxmlformats.org/drawingml/2006/main" xmlns:r="http://schemas.openxmlformats.org/officeDocument/2006/relationships" xmlns:p="http://schemas.openxmlformats.org/presentationml/2006/main">
   <p:cSld>
@@ -424,7 +477,7 @@
           <a:p>
             <a:fld id="{F44AAC2B-A50D-4386-849A-6B59FB991B4C}" type="datetimeFigureOut">
               <a:rPr lang="en-US" smtClean="0"/>
-              <a:t>5/24/2024</a:t>
+              <a:t>6/6/2024</a:t>
             </a:fld>
             <a:endParaRPr lang="en-US" dirty="0"/>
           </a:p>
@@ -849,7 +902,7 @@
     </p:spTree>
     <p:extLst>
       <p:ext uri="{BB962C8B-B14F-4D97-AF65-F5344CB8AC3E}">
-        <p14:creationId xmlns:p14="http://schemas.microsoft.com/office/powerpoint/2010/main" val="3217716760"/>
+        <p14:creationId xmlns:p14="http://schemas.microsoft.com/office/powerpoint/2010/main" val="2769560542"/>
       </p:ext>
     </p:extLst>
   </p:cSld>
@@ -933,7 +986,7 @@
     </p:spTree>
     <p:extLst>
       <p:ext uri="{BB962C8B-B14F-4D97-AF65-F5344CB8AC3E}">
-        <p14:creationId xmlns:p14="http://schemas.microsoft.com/office/powerpoint/2010/main" val="2769560542"/>
+        <p14:creationId xmlns:p14="http://schemas.microsoft.com/office/powerpoint/2010/main" val="510226268"/>
       </p:ext>
     </p:extLst>
   </p:cSld>
@@ -1009,90 +1062,6 @@
             <a:fld id="{10895658-EA1F-4910-80AB-4DA76E167475}" type="slidenum">
               <a:rPr lang="en-US" smtClean="0"/>
               <a:t>4</a:t>
-            </a:fld>
-            <a:endParaRPr lang="en-US" dirty="0"/>
-          </a:p>
-        </p:txBody>
-      </p:sp>
-    </p:spTree>
-    <p:extLst>
-      <p:ext uri="{BB962C8B-B14F-4D97-AF65-F5344CB8AC3E}">
-        <p14:creationId xmlns:p14="http://schemas.microsoft.com/office/powerpoint/2010/main" val="510226268"/>
-      </p:ext>
-    </p:extLst>
-  </p:cSld>
-  <p:clrMapOvr>
-    <a:masterClrMapping/>
-  </p:clrMapOvr>
-</p:notes>
-</file>
-
-<file path=ppt/notesSlides/notesSlide5.xml><?xml version="1.0" encoding="utf-8"?>
-<p:notes xmlns:a="http://schemas.openxmlformats.org/drawingml/2006/main" xmlns:r="http://schemas.openxmlformats.org/officeDocument/2006/relationships" xmlns:p="http://schemas.openxmlformats.org/presentationml/2006/main">
-  <p:cSld>
-    <p:spTree>
-      <p:nvGrpSpPr>
-        <p:cNvPr id="1" name=""/>
-        <p:cNvGrpSpPr/>
-        <p:nvPr/>
-      </p:nvGrpSpPr>
-      <p:grpSpPr>
-        <a:xfrm>
-          <a:off x="0" y="0"/>
-          <a:ext cx="0" cy="0"/>
-          <a:chOff x="0" y="0"/>
-          <a:chExt cx="0" cy="0"/>
-        </a:xfrm>
-      </p:grpSpPr>
-      <p:sp>
-        <p:nvSpPr>
-          <p:cNvPr id="2" name="Slide Image Placeholder 1"/>
-          <p:cNvSpPr>
-            <a:spLocks noGrp="1" noRot="1" noChangeAspect="1"/>
-          </p:cNvSpPr>
-          <p:nvPr>
-            <p:ph type="sldImg"/>
-          </p:nvPr>
-        </p:nvSpPr>
-        <p:spPr/>
-      </p:sp>
-      <p:sp>
-        <p:nvSpPr>
-          <p:cNvPr id="3" name="Notes Placeholder 2"/>
-          <p:cNvSpPr>
-            <a:spLocks noGrp="1"/>
-          </p:cNvSpPr>
-          <p:nvPr>
-            <p:ph type="body" idx="1"/>
-          </p:nvPr>
-        </p:nvSpPr>
-        <p:spPr/>
-        <p:txBody>
-          <a:bodyPr/>
-          <a:lstStyle/>
-          <a:p>
-            <a:endParaRPr lang="en-US"/>
-          </a:p>
-        </p:txBody>
-      </p:sp>
-      <p:sp>
-        <p:nvSpPr>
-          <p:cNvPr id="4" name="Slide Number Placeholder 3"/>
-          <p:cNvSpPr>
-            <a:spLocks noGrp="1"/>
-          </p:cNvSpPr>
-          <p:nvPr>
-            <p:ph type="sldNum" sz="quarter" idx="5"/>
-          </p:nvPr>
-        </p:nvSpPr>
-        <p:spPr/>
-        <p:txBody>
-          <a:bodyPr/>
-          <a:lstStyle/>
-          <a:p>
-            <a:fld id="{10895658-EA1F-4910-80AB-4DA76E167475}" type="slidenum">
-              <a:rPr lang="en-US" smtClean="0"/>
-              <a:t>5</a:t>
             </a:fld>
             <a:endParaRPr lang="en-US" dirty="0"/>
           </a:p>
@@ -20322,179 +20291,6 @@
           <p:cNvPr id="2" name="Title 1">
             <a:extLst>
               <a:ext uri="{FF2B5EF4-FFF2-40B4-BE49-F238E27FC236}">
-                <a16:creationId xmlns:a16="http://schemas.microsoft.com/office/drawing/2014/main" id="{6719F29B-F233-48AF-8261-F33A4E079E3E}"/>
-              </a:ext>
-            </a:extLst>
-          </p:cNvPr>
-          <p:cNvSpPr>
-            <a:spLocks noGrp="1"/>
-          </p:cNvSpPr>
-          <p:nvPr>
-            <p:ph type="title"/>
-          </p:nvPr>
-        </p:nvSpPr>
-        <p:spPr>
-          <a:xfrm>
-            <a:off x="4933950" y="429461"/>
-            <a:ext cx="6343650" cy="2668463"/>
-          </a:xfrm>
-        </p:spPr>
-        <p:txBody>
-          <a:bodyPr>
-            <a:normAutofit/>
-          </a:bodyPr>
-          <a:lstStyle/>
-          <a:p>
-            <a:r>
-              <a:rPr lang="en-US" dirty="0"/>
-              <a:t>Agenda</a:t>
-            </a:r>
-            <a:endParaRPr lang="en-ZA" dirty="0"/>
-          </a:p>
-        </p:txBody>
-      </p:sp>
-      <p:sp>
-        <p:nvSpPr>
-          <p:cNvPr id="3" name="Subtitle 2">
-            <a:extLst>
-              <a:ext uri="{FF2B5EF4-FFF2-40B4-BE49-F238E27FC236}">
-                <a16:creationId xmlns:a16="http://schemas.microsoft.com/office/drawing/2014/main" id="{35E3EA69-4E0E-41BD-8095-A124225A2647}"/>
-              </a:ext>
-            </a:extLst>
-          </p:cNvPr>
-          <p:cNvSpPr>
-            <a:spLocks noGrp="1"/>
-          </p:cNvSpPr>
-          <p:nvPr>
-            <p:ph sz="half" idx="14"/>
-          </p:nvPr>
-        </p:nvSpPr>
-        <p:spPr>
-          <a:xfrm>
-            <a:off x="4938713" y="3300413"/>
-            <a:ext cx="6338887" cy="2668587"/>
-          </a:xfrm>
-        </p:spPr>
-        <p:txBody>
-          <a:bodyPr>
-            <a:normAutofit/>
-          </a:bodyPr>
-          <a:lstStyle/>
-          <a:p>
-            <a:r>
-              <a:rPr lang="en-US" dirty="0"/>
-              <a:t>Wat is </a:t>
-            </a:r>
-            <a:r>
-              <a:rPr lang="en-US" dirty="0" err="1"/>
-              <a:t>LOLmedia</a:t>
-            </a:r>
-            <a:r>
-              <a:rPr lang="en-US" dirty="0"/>
-              <a:t>.</a:t>
-            </a:r>
-          </a:p>
-          <a:p>
-            <a:r>
-              <a:rPr lang="en-US" dirty="0"/>
-              <a:t>Hoe was het </a:t>
-            </a:r>
-            <a:r>
-              <a:rPr lang="en-US" dirty="0" err="1"/>
-              <a:t>gemaakt</a:t>
-            </a:r>
-            <a:r>
-              <a:rPr lang="en-US" dirty="0"/>
-              <a:t>?</a:t>
-            </a:r>
-          </a:p>
-          <a:p>
-            <a:r>
-              <a:rPr lang="en-US" dirty="0"/>
-              <a:t>Wat is </a:t>
-            </a:r>
-            <a:r>
-              <a:rPr lang="en-US" dirty="0" err="1"/>
-              <a:t>onze</a:t>
-            </a:r>
-            <a:r>
-              <a:rPr lang="en-US" dirty="0"/>
-              <a:t> back-end</a:t>
-            </a:r>
-          </a:p>
-          <a:p>
-            <a:r>
-              <a:rPr lang="en-US" dirty="0"/>
-              <a:t>Caddy ?</a:t>
-            </a:r>
-          </a:p>
-        </p:txBody>
-      </p:sp>
-      <p:sp>
-        <p:nvSpPr>
-          <p:cNvPr id="6" name="Slide Number Placeholder 5">
-            <a:extLst>
-              <a:ext uri="{FF2B5EF4-FFF2-40B4-BE49-F238E27FC236}">
-                <a16:creationId xmlns:a16="http://schemas.microsoft.com/office/drawing/2014/main" id="{67927DCA-F11F-1716-00DA-9EF49F131ABD}"/>
-              </a:ext>
-            </a:extLst>
-          </p:cNvPr>
-          <p:cNvSpPr>
-            <a:spLocks noGrp="1"/>
-          </p:cNvSpPr>
-          <p:nvPr>
-            <p:ph type="sldNum" sz="quarter" idx="12"/>
-          </p:nvPr>
-        </p:nvSpPr>
-        <p:spPr/>
-        <p:txBody>
-          <a:bodyPr/>
-          <a:lstStyle/>
-          <a:p>
-            <a:fld id="{B5CEABB6-07DC-46E8-9B57-56EC44A396E5}" type="slidenum">
-              <a:rPr lang="en-US" smtClean="0"/>
-              <a:pPr/>
-              <a:t>2</a:t>
-            </a:fld>
-            <a:endParaRPr lang="en-US" dirty="0"/>
-          </a:p>
-        </p:txBody>
-      </p:sp>
-    </p:spTree>
-    <p:extLst>
-      <p:ext uri="{BB962C8B-B14F-4D97-AF65-F5344CB8AC3E}">
-        <p14:creationId xmlns:p14="http://schemas.microsoft.com/office/powerpoint/2010/main" val="2243494996"/>
-      </p:ext>
-    </p:extLst>
-  </p:cSld>
-  <p:clrMapOvr>
-    <a:masterClrMapping/>
-  </p:clrMapOvr>
-</p:sld>
-</file>
-
-<file path=ppt/slides/slide3.xml><?xml version="1.0" encoding="utf-8"?>
-<p:sld xmlns:a="http://schemas.openxmlformats.org/drawingml/2006/main" xmlns:r="http://schemas.openxmlformats.org/officeDocument/2006/relationships" xmlns:p="http://schemas.openxmlformats.org/presentationml/2006/main">
-  <p:cSld>
-    <p:spTree>
-      <p:nvGrpSpPr>
-        <p:cNvPr id="1" name=""/>
-        <p:cNvGrpSpPr/>
-        <p:nvPr/>
-      </p:nvGrpSpPr>
-      <p:grpSpPr>
-        <a:xfrm>
-          <a:off x="0" y="0"/>
-          <a:ext cx="0" cy="0"/>
-          <a:chOff x="0" y="0"/>
-          <a:chExt cx="0" cy="0"/>
-        </a:xfrm>
-      </p:grpSpPr>
-      <p:sp>
-        <p:nvSpPr>
-          <p:cNvPr id="2" name="Title 1">
-            <a:extLst>
-              <a:ext uri="{FF2B5EF4-FFF2-40B4-BE49-F238E27FC236}">
                 <a16:creationId xmlns:a16="http://schemas.microsoft.com/office/drawing/2014/main" id="{537E1C88-627C-4655-A4FB-0BB02EDB078A}"/>
               </a:ext>
             </a:extLst>
@@ -20566,7 +20362,7 @@
                   <a:spcPts val="600"/>
                 </a:spcAft>
               </a:pPr>
-              <a:t>3</a:t>
+              <a:t>2</a:t>
             </a:fld>
             <a:endParaRPr lang="en-US"/>
           </a:p>
@@ -20670,7 +20466,7 @@
 </p:sld>
 </file>
 
-<file path=ppt/slides/slide4.xml><?xml version="1.0" encoding="utf-8"?>
+<file path=ppt/slides/slide3.xml><?xml version="1.0" encoding="utf-8"?>
 <p:sld xmlns:a="http://schemas.openxmlformats.org/drawingml/2006/main" xmlns:r="http://schemas.openxmlformats.org/officeDocument/2006/relationships" xmlns:p="http://schemas.openxmlformats.org/presentationml/2006/main">
   <p:cSld>
     <p:spTree>
@@ -20811,12 +20607,114 @@
             <a:fld id="{B5CEABB6-07DC-46E8-9B57-56EC44A396E5}" type="slidenum">
               <a:rPr lang="en-US" smtClean="0"/>
               <a:pPr/>
-              <a:t>4</a:t>
+              <a:t>3</a:t>
             </a:fld>
             <a:endParaRPr lang="en-US" dirty="0"/>
           </a:p>
         </p:txBody>
       </p:sp>
+      <mc:AlternateContent xmlns:mc="http://schemas.openxmlformats.org/markup-compatibility/2006">
+        <mc:Choice xmlns:p14="http://schemas.microsoft.com/office/powerpoint/2010/main" Requires="p14">
+          <p:contentPart p14:bwMode="auto" r:id="rId5">
+            <p14:nvContentPartPr>
+              <p14:cNvPr id="2" name="Ink 1">
+                <a:extLst>
+                  <a:ext uri="{FF2B5EF4-FFF2-40B4-BE49-F238E27FC236}">
+                    <a16:creationId xmlns:a16="http://schemas.microsoft.com/office/drawing/2014/main" id="{CB0A53EC-2044-4455-5DC0-A0F1436AA172}"/>
+                  </a:ext>
+                </a:extLst>
+              </p14:cNvPr>
+              <p14:cNvContentPartPr/>
+              <p14:nvPr/>
+            </p14:nvContentPartPr>
+            <p14:xfrm>
+              <a:off x="5996645" y="3313330"/>
+              <a:ext cx="443880" cy="146160"/>
+            </p14:xfrm>
+          </p:contentPart>
+        </mc:Choice>
+        <mc:Fallback>
+          <p:pic>
+            <p:nvPicPr>
+              <p:cNvPr id="2" name="Ink 1">
+                <a:extLst>
+                  <a:ext uri="{FF2B5EF4-FFF2-40B4-BE49-F238E27FC236}">
+                    <a16:creationId xmlns:a16="http://schemas.microsoft.com/office/drawing/2014/main" id="{CB0A53EC-2044-4455-5DC0-A0F1436AA172}"/>
+                  </a:ext>
+                </a:extLst>
+              </p:cNvPr>
+              <p:cNvPicPr/>
+              <p:nvPr/>
+            </p:nvPicPr>
+            <p:blipFill>
+              <a:blip r:embed="rId6"/>
+              <a:stretch>
+                <a:fillRect/>
+              </a:stretch>
+            </p:blipFill>
+            <p:spPr>
+              <a:xfrm>
+                <a:off x="5988005" y="3304330"/>
+                <a:ext cx="461520" cy="163800"/>
+              </a:xfrm>
+              <a:prstGeom prst="rect">
+                <a:avLst/>
+              </a:prstGeom>
+            </p:spPr>
+          </p:pic>
+        </mc:Fallback>
+      </mc:AlternateContent>
+      <mc:AlternateContent xmlns:mc="http://schemas.openxmlformats.org/markup-compatibility/2006">
+        <mc:Choice xmlns:p14="http://schemas.microsoft.com/office/powerpoint/2010/main" Requires="p14">
+          <p:contentPart p14:bwMode="auto" r:id="rId7">
+            <p14:nvContentPartPr>
+              <p14:cNvPr id="5" name="Ink 4">
+                <a:extLst>
+                  <a:ext uri="{FF2B5EF4-FFF2-40B4-BE49-F238E27FC236}">
+                    <a16:creationId xmlns:a16="http://schemas.microsoft.com/office/drawing/2014/main" id="{7313D91F-FC87-B95A-E551-E4D446A57823}"/>
+                  </a:ext>
+                </a:extLst>
+              </p14:cNvPr>
+              <p14:cNvContentPartPr/>
+              <p14:nvPr/>
+            </p14:nvContentPartPr>
+            <p14:xfrm>
+              <a:off x="5237765" y="3518530"/>
+              <a:ext cx="360" cy="360"/>
+            </p14:xfrm>
+          </p:contentPart>
+        </mc:Choice>
+        <mc:Fallback>
+          <p:pic>
+            <p:nvPicPr>
+              <p:cNvPr id="5" name="Ink 4">
+                <a:extLst>
+                  <a:ext uri="{FF2B5EF4-FFF2-40B4-BE49-F238E27FC236}">
+                    <a16:creationId xmlns:a16="http://schemas.microsoft.com/office/drawing/2014/main" id="{7313D91F-FC87-B95A-E551-E4D446A57823}"/>
+                  </a:ext>
+                </a:extLst>
+              </p:cNvPr>
+              <p:cNvPicPr/>
+              <p:nvPr/>
+            </p:nvPicPr>
+            <p:blipFill>
+              <a:blip r:embed="rId8"/>
+              <a:stretch>
+                <a:fillRect/>
+              </a:stretch>
+            </p:blipFill>
+            <p:spPr>
+              <a:xfrm>
+                <a:off x="5228765" y="3509530"/>
+                <a:ext cx="18000" cy="18000"/>
+              </a:xfrm>
+              <a:prstGeom prst="rect">
+                <a:avLst/>
+              </a:prstGeom>
+            </p:spPr>
+          </p:pic>
+        </mc:Fallback>
+      </mc:AlternateContent>
     </p:spTree>
     <p:extLst>
       <p:ext uri="{BB962C8B-B14F-4D97-AF65-F5344CB8AC3E}">
@@ -20830,7 +20728,7 @@
 </p:sld>
 </file>
 
-<file path=ppt/slides/slide5.xml><?xml version="1.0" encoding="utf-8"?>
+<file path=ppt/slides/slide4.xml><?xml version="1.0" encoding="utf-8"?>
 <p:sld xmlns:a="http://schemas.openxmlformats.org/drawingml/2006/main" xmlns:r="http://schemas.openxmlformats.org/officeDocument/2006/relationships" xmlns:p="http://schemas.openxmlformats.org/presentationml/2006/main">
   <p:cSld>
     <p:spTree>
@@ -21717,15 +21615,6 @@
 </file>
 
 <file path=customXml/item1.xml><?xml version="1.0" encoding="utf-8"?>
-<?mso-contentType ?>
-<FormTemplates xmlns="http://schemas.microsoft.com/sharepoint/v3/contenttype/forms">
-  <Display>DocumentLibraryForm</Display>
-  <Edit>DocumentLibraryForm</Edit>
-  <New>DocumentLibraryForm</New>
-</FormTemplates>
-</file>
-
-<file path=customXml/item2.xml><?xml version="1.0" encoding="utf-8"?>
 <p:properties xmlns:p="http://schemas.microsoft.com/office/2006/metadata/properties" xmlns:xsi="http://www.w3.org/2001/XMLSchema-instance" xmlns:pc="http://schemas.microsoft.com/office/infopath/2007/PartnerControls">
   <documentManagement>
     <Background xmlns="71af3243-3dd4-4a8d-8c0d-dd76da1f02a5">false</Background>
@@ -21743,6 +21632,15 @@
     <MediaServiceKeyPoints xmlns="71af3243-3dd4-4a8d-8c0d-dd76da1f02a5" xsi:nil="true"/>
   </documentManagement>
 </p:properties>
+</file>
+
+<file path=customXml/item2.xml><?xml version="1.0" encoding="utf-8"?>
+<?mso-contentType ?>
+<FormTemplates xmlns="http://schemas.microsoft.com/sharepoint/v3/contenttype/forms">
+  <Display>DocumentLibraryForm</Display>
+  <Edit>DocumentLibraryForm</Edit>
+  <New>DocumentLibraryForm</New>
+</FormTemplates>
 </file>
 
 <file path=customXml/item3.xml><?xml version="1.0" encoding="utf-8"?>
@@ -22058,14 +21956,6 @@
 </file>
 
 <file path=customXml/itemProps1.xml><?xml version="1.0" encoding="utf-8"?>
-<ds:datastoreItem xmlns:ds="http://schemas.openxmlformats.org/officeDocument/2006/customXml" ds:itemID="{8451406B-581B-4C29-A833-E33D8A6AB075}">
-  <ds:schemaRefs>
-    <ds:schemaRef ds:uri="http://schemas.microsoft.com/sharepoint/v3/contenttype/forms"/>
-  </ds:schemaRefs>
-</ds:datastoreItem>
-</file>
-
-<file path=customXml/itemProps2.xml><?xml version="1.0" encoding="utf-8"?>
 <ds:datastoreItem xmlns:ds="http://schemas.openxmlformats.org/officeDocument/2006/customXml" ds:itemID="{0F65614A-92F9-4391-AC3D-F3F5B0704F99}">
   <ds:schemaRefs>
     <ds:schemaRef ds:uri="http://schemas.microsoft.com/office/2006/metadata/properties"/>
@@ -22073,6 +21963,14 @@
     <ds:schemaRef ds:uri="71af3243-3dd4-4a8d-8c0d-dd76da1f02a5"/>
     <ds:schemaRef ds:uri="http://schemas.microsoft.com/sharepoint/v3"/>
     <ds:schemaRef ds:uri="230e9df3-be65-4c73-a93b-d1236ebd677e"/>
+  </ds:schemaRefs>
+</ds:datastoreItem>
+</file>
+
+<file path=customXml/itemProps2.xml><?xml version="1.0" encoding="utf-8"?>
+<ds:datastoreItem xmlns:ds="http://schemas.openxmlformats.org/officeDocument/2006/customXml" ds:itemID="{8451406B-581B-4C29-A833-E33D8A6AB075}">
+  <ds:schemaRefs>
+    <ds:schemaRef ds:uri="http://schemas.microsoft.com/sharepoint/v3/contenttype/forms"/>
   </ds:schemaRefs>
 </ds:datastoreItem>
 </file>
